--- a/AJP Slides/AJP - Unit 4 - Servlet API.pptx
+++ b/AJP Slides/AJP - Unit 4 - Servlet API.pptx
@@ -150,7 +150,7 @@
   </p:defaultTextStyle>
   <p:extLst>
     <p:ext uri="{EFAFB233-063F-42B5-8137-9DF3F51BA10A}">
-      <p15:sldGuideLst xmlns:p15="http://schemas.microsoft.com/office/powerpoint/2012/main" xmlns="">
+      <p15:sldGuideLst xmlns:p15="http://schemas.microsoft.com/office/powerpoint/2012/main">
         <p15:guide id="1" orient="horz" pos="2160">
           <p15:clr>
             <a:srgbClr val="A4A3A4"/>
@@ -164,7 +164,7 @@
       </p15:sldGuideLst>
     </p:ext>
     <p:ext uri="{2D200454-40CA-4A62-9FC3-DE9A4176ACB9}">
-      <p15:notesGuideLst xmlns:p15="http://schemas.microsoft.com/office/powerpoint/2012/main" xmlns=""/>
+      <p15:notesGuideLst xmlns:p15="http://schemas.microsoft.com/office/powerpoint/2012/main"/>
     </p:ext>
   </p:extLst>
 </p:presentation>
@@ -252,7 +252,7 @@
           <a:p>
             <a:fld id="{EBCDB223-1744-4BBC-9844-9773C6B7C09F}" type="datetimeFigureOut">
               <a:rPr lang="en-IN" smtClean="0"/>
-              <a:t>07-08-2022</a:t>
+              <a:t>22-08-2022</a:t>
             </a:fld>
             <a:endParaRPr lang="en-IN"/>
           </a:p>
@@ -417,7 +417,7 @@
           <a:p>
             <a:fld id="{EA89CDE9-15B3-4418-B829-6A0B102FE7D6}" type="datetimeFigureOut">
               <a:rPr lang="en-IN" smtClean="0"/>
-              <a:t>07-08-2022</a:t>
+              <a:t>22-08-2022</a:t>
             </a:fld>
             <a:endParaRPr lang="en-IN"/>
           </a:p>
@@ -913,7 +913,7 @@
           <a:p>
             <a:fld id="{BF4A346E-286F-47C4-8703-3811BB62B16D}" type="datetime1">
               <a:rPr lang="en-IN" smtClean="0"/>
-              <a:t>07-08-2022</a:t>
+              <a:t>22-08-2022</a:t>
             </a:fld>
             <a:endParaRPr lang="en-IN"/>
           </a:p>
@@ -1087,7 +1087,7 @@
           <a:p>
             <a:fld id="{EA2539D3-5A69-4DA3-8B8E-760DBC60382D}" type="datetime1">
               <a:rPr lang="en-IN" smtClean="0"/>
-              <a:t>07-08-2022</a:t>
+              <a:t>22-08-2022</a:t>
             </a:fld>
             <a:endParaRPr lang="en-IN"/>
           </a:p>
@@ -1271,7 +1271,7 @@
           <a:p>
             <a:fld id="{1292BFE3-76DF-4888-A532-4D33BE7B0731}" type="datetime1">
               <a:rPr lang="en-IN" smtClean="0"/>
-              <a:t>07-08-2022</a:t>
+              <a:t>22-08-2022</a:t>
             </a:fld>
             <a:endParaRPr lang="en-IN"/>
           </a:p>
@@ -1450,7 +1450,7 @@
           <a:p>
             <a:fld id="{2989BFDE-5213-40A1-98D9-1BBA85562E79}" type="datetime1">
               <a:rPr lang="en-IN" smtClean="0"/>
-              <a:t>07-08-2022</a:t>
+              <a:t>22-08-2022</a:t>
             </a:fld>
             <a:endParaRPr lang="en-IN"/>
           </a:p>
@@ -1738,7 +1738,7 @@
           <a:p>
             <a:fld id="{DD2821CE-2164-47C1-A2BB-20B7B35FE927}" type="datetime1">
               <a:rPr lang="en-IN" smtClean="0"/>
-              <a:t>07-08-2022</a:t>
+              <a:t>22-08-2022</a:t>
             </a:fld>
             <a:endParaRPr lang="en-IN"/>
           </a:p>
@@ -2030,7 +2030,7 @@
           <a:p>
             <a:fld id="{ABB9E077-6CA2-48AD-90BF-FCF18A7D0EE9}" type="datetime1">
               <a:rPr lang="en-IN" smtClean="0"/>
-              <a:t>07-08-2022</a:t>
+              <a:t>22-08-2022</a:t>
             </a:fld>
             <a:endParaRPr lang="en-IN"/>
           </a:p>
@@ -2476,7 +2476,7 @@
           <a:p>
             <a:fld id="{2EF9B393-2C1A-4673-BDDC-1443A58B3762}" type="datetime1">
               <a:rPr lang="en-IN" smtClean="0"/>
-              <a:t>07-08-2022</a:t>
+              <a:t>22-08-2022</a:t>
             </a:fld>
             <a:endParaRPr lang="en-IN"/>
           </a:p>
@@ -2598,7 +2598,7 @@
           <a:p>
             <a:fld id="{D69F4886-09E8-4D86-B13D-5C706A053556}" type="datetime1">
               <a:rPr lang="en-IN" smtClean="0"/>
-              <a:t>07-08-2022</a:t>
+              <a:t>22-08-2022</a:t>
             </a:fld>
             <a:endParaRPr lang="en-IN"/>
           </a:p>
@@ -2697,7 +2697,7 @@
           <a:p>
             <a:fld id="{B8BE83F6-9D0D-4E7C-8482-BE11E2B6F6D7}" type="datetime1">
               <a:rPr lang="en-IN" smtClean="0"/>
-              <a:t>07-08-2022</a:t>
+              <a:t>22-08-2022</a:t>
             </a:fld>
             <a:endParaRPr lang="en-IN"/>
           </a:p>
@@ -2989,7 +2989,7 @@
           <a:p>
             <a:fld id="{E4E2BEBB-839A-48B7-AA15-DB55FE871E52}" type="datetime1">
               <a:rPr lang="en-IN" smtClean="0"/>
-              <a:t>07-08-2022</a:t>
+              <a:t>22-08-2022</a:t>
             </a:fld>
             <a:endParaRPr lang="en-IN"/>
           </a:p>
@@ -3266,7 +3266,7 @@
           <a:p>
             <a:fld id="{ED50CEEC-65F4-4A58-99E9-6603717C20C9}" type="datetime1">
               <a:rPr lang="en-IN" smtClean="0"/>
-              <a:t>07-08-2022</a:t>
+              <a:t>22-08-2022</a:t>
             </a:fld>
             <a:endParaRPr lang="en-IN"/>
           </a:p>
@@ -3567,7 +3567,7 @@
           <a:p>
             <a:fld id="{57013EE8-251F-4EC0-B7F5-0C0F1C8A746F}" type="datetime1">
               <a:rPr lang="en-IN" smtClean="0"/>
-              <a:t>07-08-2022</a:t>
+              <a:t>22-08-2022</a:t>
             </a:fld>
             <a:endParaRPr lang="en-IN"/>
           </a:p>
@@ -5789,6 +5789,13 @@
   <p:clrMapOvr>
     <a:masterClrMapping/>
   </p:clrMapOvr>
+  <p:timing>
+    <p:tnLst>
+      <p:par>
+        <p:cTn id="1" dur="indefinite" restart="never" nodeType="tmRoot"/>
+      </p:par>
+    </p:tnLst>
+  </p:timing>
 </p:sld>
 </file>
 
@@ -7307,6 +7314,13 @@
   <p:clrMapOvr>
     <a:masterClrMapping/>
   </p:clrMapOvr>
+  <p:timing>
+    <p:tnLst>
+      <p:par>
+        <p:cTn id="1" dur="indefinite" restart="never" nodeType="tmRoot"/>
+      </p:par>
+    </p:tnLst>
+  </p:timing>
 </p:sld>
 </file>
 
@@ -7391,10 +7405,13 @@
             </a:r>
           </a:p>
           <a:p>
-            <a:pPr marL="514350" indent="-514350">
-              <a:buFont typeface="+mj-lt"/>
-              <a:buAutoNum type="alphaLcParenR"/>
+            <a:pPr marL="0" indent="0">
+              <a:buNone/>
             </a:pPr>
+            <a:r>
+              <a:rPr lang="en-IN" dirty="0" smtClean="0"/>
+              <a:t>a) </a:t>
+            </a:r>
             <a:r>
               <a:rPr lang="en-IN" dirty="0" err="1" smtClean="0"/>
               <a:t>init</a:t>
@@ -7409,10 +7426,13 @@
             </a:r>
           </a:p>
           <a:p>
-            <a:pPr marL="514350" indent="-514350">
-              <a:buFont typeface="+mj-lt"/>
-              <a:buAutoNum type="alphaLcParenR"/>
+            <a:pPr marL="0" indent="0">
+              <a:buNone/>
             </a:pPr>
+            <a:r>
+              <a:rPr lang="en-IN" dirty="0" smtClean="0"/>
+              <a:t>b) </a:t>
+            </a:r>
             <a:r>
               <a:rPr lang="en-IN" dirty="0" smtClean="0"/>
               <a:t>service(</a:t>
@@ -7427,12 +7447,15 @@
             </a:r>
           </a:p>
           <a:p>
-            <a:pPr marL="514350" indent="-514350">
-              <a:buFont typeface="+mj-lt"/>
-              <a:buAutoNum type="alphaLcParenR"/>
+            <a:pPr marL="0" indent="0">
+              <a:buNone/>
             </a:pPr>
             <a:r>
-              <a:rPr lang="en-IN" dirty="0" err="1"/>
+              <a:rPr lang="en-IN" dirty="0"/>
+              <a:t>	</a:t>
+            </a:r>
+            <a:r>
+              <a:rPr lang="en-IN" dirty="0" err="1" smtClean="0"/>
               <a:t>ServletResponse</a:t>
             </a:r>
             <a:r>
@@ -7441,13 +7464,12 @@
             </a:r>
           </a:p>
           <a:p>
-            <a:pPr marL="514350" indent="-514350">
-              <a:buFont typeface="+mj-lt"/>
-              <a:buAutoNum type="alphaLcParenR"/>
+            <a:pPr marL="0" indent="0">
+              <a:buNone/>
             </a:pPr>
             <a:r>
               <a:rPr lang="en-IN" dirty="0" smtClean="0"/>
-              <a:t>destroy</a:t>
+              <a:t>c) destroy</a:t>
             </a:r>
             <a:r>
               <a:rPr lang="en-IN" dirty="0"/>
@@ -7455,10 +7477,13 @@
             </a:r>
           </a:p>
           <a:p>
-            <a:pPr marL="514350" indent="-514350">
-              <a:buFont typeface="+mj-lt"/>
-              <a:buAutoNum type="alphaLcParenR"/>
+            <a:pPr marL="0" indent="0">
+              <a:buNone/>
             </a:pPr>
+            <a:r>
+              <a:rPr lang="en-IN" dirty="0" smtClean="0"/>
+              <a:t>d) </a:t>
+            </a:r>
             <a:r>
               <a:rPr lang="en-IN" dirty="0" err="1" smtClean="0"/>
               <a:t>getServletInfo</a:t>
@@ -7469,10 +7494,13 @@
             </a:r>
           </a:p>
           <a:p>
-            <a:pPr marL="514350" indent="-514350">
-              <a:buFont typeface="+mj-lt"/>
-              <a:buAutoNum type="alphaLcParenR"/>
+            <a:pPr marL="0" indent="0">
+              <a:buNone/>
             </a:pPr>
+            <a:r>
+              <a:rPr lang="en-IN" dirty="0" smtClean="0"/>
+              <a:t>e) </a:t>
+            </a:r>
             <a:r>
               <a:rPr lang="en-IN" dirty="0" err="1" smtClean="0"/>
               <a:t>getServletConfig</a:t>
@@ -7482,9 +7510,10 @@
               <a:t>() : </a:t>
             </a:r>
             <a:r>
-              <a:rPr lang="en-IN" dirty="0" smtClean="0"/>
-              <a:t>String</a:t>
-            </a:r>
+              <a:rPr lang="en-IN" dirty="0" err="1" smtClean="0"/>
+              <a:t>ServletConfig</a:t>
+            </a:r>
+            <a:endParaRPr lang="en-IN" dirty="0" smtClean="0"/>
           </a:p>
           <a:p>
             <a:pPr marL="0" indent="0">
@@ -10505,6 +10534,13 @@
   <p:clrMapOvr>
     <a:masterClrMapping/>
   </p:clrMapOvr>
+  <p:timing>
+    <p:tnLst>
+      <p:par>
+        <p:cTn id="1" dur="indefinite" restart="never" nodeType="tmRoot"/>
+      </p:par>
+    </p:tnLst>
+  </p:timing>
 </p:sld>
 </file>
 
@@ -11133,6 +11169,13 @@
   <p:clrMapOvr>
     <a:masterClrMapping/>
   </p:clrMapOvr>
+  <p:timing>
+    <p:tnLst>
+      <p:par>
+        <p:cTn id="1" dur="indefinite" restart="never" nodeType="tmRoot"/>
+      </p:par>
+    </p:tnLst>
+  </p:timing>
 </p:sld>
 </file>
 
@@ -11247,6 +11290,13 @@
   <p:clrMapOvr>
     <a:masterClrMapping/>
   </p:clrMapOvr>
+  <p:timing>
+    <p:tnLst>
+      <p:par>
+        <p:cTn id="1" dur="indefinite" restart="never" nodeType="tmRoot"/>
+      </p:par>
+    </p:tnLst>
+  </p:timing>
 </p:sld>
 </file>
 
@@ -12043,6 +12093,13 @@
   <p:clrMapOvr>
     <a:masterClrMapping/>
   </p:clrMapOvr>
+  <p:timing>
+    <p:tnLst>
+      <p:par>
+        <p:cTn id="1" dur="indefinite" restart="never" nodeType="tmRoot"/>
+      </p:par>
+    </p:tnLst>
+  </p:timing>
 </p:sld>
 </file>
 
@@ -17169,6 +17226,13 @@
   <p:clrMapOvr>
     <a:masterClrMapping/>
   </p:clrMapOvr>
+  <p:timing>
+    <p:tnLst>
+      <p:par>
+        <p:cTn id="1" dur="indefinite" restart="never" nodeType="tmRoot"/>
+      </p:par>
+    </p:tnLst>
+  </p:timing>
 </p:sld>
 </file>
 
@@ -21935,6 +21999,13 @@
   <p:clrMapOvr>
     <a:masterClrMapping/>
   </p:clrMapOvr>
+  <p:timing>
+    <p:tnLst>
+      <p:par>
+        <p:cTn id="1" dur="indefinite" restart="never" nodeType="tmRoot"/>
+      </p:par>
+    </p:tnLst>
+  </p:timing>
 </p:sld>
 </file>
 
@@ -22370,6 +22441,13 @@
   <p:clrMapOvr>
     <a:masterClrMapping/>
   </p:clrMapOvr>
+  <p:timing>
+    <p:tnLst>
+      <p:par>
+        <p:cTn id="1" dur="indefinite" restart="never" nodeType="tmRoot"/>
+      </p:par>
+    </p:tnLst>
+  </p:timing>
 </p:sld>
 </file>
 
@@ -23100,6 +23178,13 @@
   <p:clrMapOvr>
     <a:masterClrMapping/>
   </p:clrMapOvr>
+  <p:timing>
+    <p:tnLst>
+      <p:par>
+        <p:cTn id="1" dur="indefinite" restart="never" nodeType="tmRoot"/>
+      </p:par>
+    </p:tnLst>
+  </p:timing>
 </p:sld>
 </file>
 
@@ -23211,6 +23296,13 @@
   <p:clrMapOvr>
     <a:masterClrMapping/>
   </p:clrMapOvr>
+  <p:timing>
+    <p:tnLst>
+      <p:par>
+        <p:cTn id="1" dur="indefinite" restart="never" nodeType="tmRoot"/>
+      </p:par>
+    </p:tnLst>
+  </p:timing>
 </p:sld>
 </file>
 
@@ -23735,7 +23827,7 @@
   <a:extraClrSchemeLst/>
   <a:extLst>
     <a:ext uri="{05A4C25C-085E-4340-85A3-A5531E510DB2}">
-      <thm15:themeFamily xmlns:thm15="http://schemas.microsoft.com/office/thememl/2012/main" xmlns="" name="Frame" id="{F226E7A2-7162-461C-9490-D27D9DC04E43}" vid="{629A0216-3BBD-45C0-B63F-2683BEA18F60}"/>
+      <thm15:themeFamily xmlns:thm15="http://schemas.microsoft.com/office/thememl/2012/main" name="Frame" id="{F226E7A2-7162-461C-9490-D27D9DC04E43}" vid="{629A0216-3BBD-45C0-B63F-2683BEA18F60}"/>
     </a:ext>
   </a:extLst>
 </a:theme>
@@ -23996,7 +24088,7 @@
   <a:extraClrSchemeLst/>
   <a:extLst>
     <a:ext uri="{05A4C25C-085E-4340-85A3-A5531E510DB2}">
-      <thm15:themeFamily xmlns:thm15="http://schemas.microsoft.com/office/thememl/2012/main" xmlns="" name="Office Theme" id="{62F939B6-93AF-4DB8-9C6B-D6C7DFDC589F}" vid="{4A3C46E8-61CC-4603-A589-7422A47A8E4A}"/>
+      <thm15:themeFamily xmlns:thm15="http://schemas.microsoft.com/office/thememl/2012/main" name="Office Theme" id="{62F939B6-93AF-4DB8-9C6B-D6C7DFDC589F}" vid="{4A3C46E8-61CC-4603-A589-7422A47A8E4A}"/>
     </a:ext>
   </a:extLst>
 </a:theme>
@@ -24257,7 +24349,7 @@
   <a:extraClrSchemeLst/>
   <a:extLst>
     <a:ext uri="{05A4C25C-085E-4340-85A3-A5531E510DB2}">
-      <thm15:themeFamily xmlns:thm15="http://schemas.microsoft.com/office/thememl/2012/main" xmlns="" name="Office Theme" id="{62F939B6-93AF-4DB8-9C6B-D6C7DFDC589F}" vid="{4A3C46E8-61CC-4603-A589-7422A47A8E4A}"/>
+      <thm15:themeFamily xmlns:thm15="http://schemas.microsoft.com/office/thememl/2012/main" name="Office Theme" id="{62F939B6-93AF-4DB8-9C6B-D6C7DFDC589F}" vid="{4A3C46E8-61CC-4603-A589-7422A47A8E4A}"/>
     </a:ext>
   </a:extLst>
 </a:theme>
